--- a/internship_Ppt (1).pptx
+++ b/internship_Ppt (1).pptx
@@ -297,7 +297,7 @@
             <a:fld id="{E1F9B3BC-7FCA-4166-96E5-654288EED0B0}" type="datetimeFigureOut">
               <a:rPr lang="en-US" smtClean="0"/>
               <a:pPr/>
-              <a:t>1/9/2022</a:t>
+              <a:t>1/10/2022</a:t>
             </a:fld>
             <a:endParaRPr lang="en-US" dirty="0"/>
           </a:p>
@@ -4438,7 +4438,17 @@
                 <a:latin typeface="Times New Roman" pitchFamily="18" charset="0"/>
                 <a:cs typeface="Times New Roman" pitchFamily="18" charset="0"/>
               </a:rPr>
-              <a:t>/Ms. Guide Name</a:t>
+              <a:t>Aman </a:t>
+            </a:r>
+            <a:r>
+              <a:rPr lang="en-IN" sz="2000" b="1" dirty="0" err="1">
+                <a:solidFill>
+                  <a:srgbClr val="000066"/>
+                </a:solidFill>
+                <a:latin typeface="Times New Roman" pitchFamily="18" charset="0"/>
+                <a:cs typeface="Times New Roman" pitchFamily="18" charset="0"/>
+              </a:rPr>
+              <a:t>Upadyay</a:t>
             </a:r>
             <a:endParaRPr lang="pt-BR" sz="2000" b="1" dirty="0">
               <a:solidFill>
@@ -4469,7 +4479,35 @@
                 <a:ea typeface="Times New Roman" pitchFamily="18" charset="0"/>
                 <a:cs typeface="Times New Roman" pitchFamily="18" charset="0"/>
               </a:rPr>
-              <a:t>Designation, Company Name and Address</a:t>
+              <a:t>Professor, </a:t>
+            </a:r>
+            <a:r>
+              <a:rPr lang="en-US" dirty="0" err="1">
+                <a:solidFill>
+                  <a:schemeClr val="tx1">
+                    <a:lumMod val="85000"/>
+                    <a:lumOff val="15000"/>
+                  </a:schemeClr>
+                </a:solidFill>
+                <a:latin typeface="Times New Roman" pitchFamily="18" charset="0"/>
+                <a:ea typeface="Times New Roman" pitchFamily="18" charset="0"/>
+                <a:cs typeface="Times New Roman" pitchFamily="18" charset="0"/>
+              </a:rPr>
+              <a:t>Nastech</a:t>
+            </a:r>
+            <a:r>
+              <a:rPr lang="en-US">
+                <a:solidFill>
+                  <a:schemeClr val="tx1">
+                    <a:lumMod val="85000"/>
+                    <a:lumOff val="15000"/>
+                  </a:schemeClr>
+                </a:solidFill>
+                <a:latin typeface="Times New Roman" pitchFamily="18" charset="0"/>
+                <a:ea typeface="Times New Roman" pitchFamily="18" charset="0"/>
+                <a:cs typeface="Times New Roman" pitchFamily="18" charset="0"/>
+              </a:rPr>
+              <a:t>, Bengaluru</a:t>
             </a:r>
             <a:endParaRPr lang="en-US" dirty="0">
               <a:solidFill>
